--- a/HyunhoCha/homework/c/02/차현호2회차숙제.pptx
+++ b/HyunhoCha/homework/c/02/차현호2회차숙제.pptx
@@ -11852,7 +11852,7 @@
         <p:spPr>
           <a:xfrm>
             <a:off x="252285" y="4459555"/>
-            <a:ext cx="9347393" cy="646331"/>
+            <a:ext cx="9347393" cy="923330"/>
           </a:xfrm>
           <a:prstGeom prst="rect">
             <a:avLst/>
@@ -11942,17 +11942,24 @@
                 <a:latin typeface="현대하모니 L" pitchFamily="18" charset="-127"/>
                 <a:ea typeface="현대하모니 L" pitchFamily="18" charset="-127"/>
               </a:rPr>
-              <a:t>의배수의 덧셈을 구했다</a:t>
-            </a:r>
-            <a:r>
-              <a:rPr kumimoji="1" lang="en-US" altLang="ko-KR" dirty="0">
-                <a:latin typeface="현대하모니 L" pitchFamily="18" charset="-127"/>
-                <a:ea typeface="현대하모니 L" pitchFamily="18" charset="-127"/>
-              </a:rPr>
-              <a:t>.</a:t>
-            </a:r>
-            <a:r>
-              <a:rPr kumimoji="1" lang="ko-KR" altLang="en-US" dirty="0">
+              <a:t>의배수의 </a:t>
+            </a:r>
+            <a:r>
+              <a:rPr kumimoji="1" lang="ko-KR" altLang="en-US" dirty="0" smtClean="0">
+                <a:latin typeface="현대하모니 L" pitchFamily="18" charset="-127"/>
+                <a:ea typeface="현대하모니 L" pitchFamily="18" charset="-127"/>
+              </a:rPr>
+              <a:t>합을 각각 구했다</a:t>
+            </a:r>
+            <a:r>
+              <a:rPr kumimoji="1" lang="en-US" altLang="ko-KR" dirty="0" smtClean="0">
+                <a:latin typeface="현대하모니 L" pitchFamily="18" charset="-127"/>
+                <a:ea typeface="현대하모니 L" pitchFamily="18" charset="-127"/>
+              </a:rPr>
+              <a:t>..</a:t>
+            </a:r>
+            <a:r>
+              <a:rPr kumimoji="1" lang="ko-KR" altLang="en-US" dirty="0" smtClean="0">
                 <a:latin typeface="현대하모니 L" pitchFamily="18" charset="-127"/>
                 <a:ea typeface="현대하모니 L" pitchFamily="18" charset="-127"/>
               </a:rPr>
@@ -11967,28 +11974,57 @@
       </p:sp>
       <p:pic>
         <p:nvPicPr>
-          <p:cNvPr id="10" name="Picture 9">
-            <a:extLst>
-              <a:ext uri="{FF2B5EF4-FFF2-40B4-BE49-F238E27FC236}">
-                <a16:creationId xmlns:a16="http://schemas.microsoft.com/office/drawing/2014/main" id="{FEE470A8-E604-4B8E-A037-40BB9174E2BC}"/>
-              </a:ext>
-            </a:extLst>
-          </p:cNvPr>
+          <p:cNvPr id="7" name="Picture 6"/>
           <p:cNvPicPr>
             <a:picLocks noChangeAspect="1"/>
           </p:cNvPicPr>
           <p:nvPr/>
         </p:nvPicPr>
         <p:blipFill>
-          <a:blip r:embed="rId3"/>
+          <a:blip r:embed="rId3">
+            <a:extLst>
+              <a:ext uri="{28A0092B-C50C-407E-A947-70E740481C1C}">
+                <a14:useLocalDpi xmlns:a14="http://schemas.microsoft.com/office/drawing/2010/main" val="0"/>
+              </a:ext>
+            </a:extLst>
+          </a:blip>
           <a:stretch>
             <a:fillRect/>
           </a:stretch>
         </p:blipFill>
         <p:spPr>
           <a:xfrm>
-            <a:off x="327549" y="1548420"/>
-            <a:ext cx="9422657" cy="2571295"/>
+            <a:off x="462628" y="1584134"/>
+            <a:ext cx="5480971" cy="2504414"/>
+          </a:xfrm>
+          <a:prstGeom prst="rect">
+            <a:avLst/>
+          </a:prstGeom>
+        </p:spPr>
+      </p:pic>
+      <p:pic>
+        <p:nvPicPr>
+          <p:cNvPr id="3" name="Picture 2"/>
+          <p:cNvPicPr>
+            <a:picLocks noChangeAspect="1"/>
+          </p:cNvPicPr>
+          <p:nvPr/>
+        </p:nvPicPr>
+        <p:blipFill rotWithShape="1">
+          <a:blip r:embed="rId4">
+            <a:extLst>
+              <a:ext uri="{28A0092B-C50C-407E-A947-70E740481C1C}">
+                <a14:useLocalDpi xmlns:a14="http://schemas.microsoft.com/office/drawing/2010/main" val="0"/>
+              </a:ext>
+            </a:extLst>
+          </a:blip>
+          <a:srcRect b="16752"/>
+          <a:stretch/>
+        </p:blipFill>
+        <p:spPr>
+          <a:xfrm>
+            <a:off x="6078678" y="1584134"/>
+            <a:ext cx="4358163" cy="447619"/>
           </a:xfrm>
           <a:prstGeom prst="rect">
             <a:avLst/>
@@ -12199,36 +12235,6 @@
           </a:p>
         </p:txBody>
       </p:sp>
-      <p:pic>
-        <p:nvPicPr>
-          <p:cNvPr id="7" name="Picture 6">
-            <a:extLst>
-              <a:ext uri="{FF2B5EF4-FFF2-40B4-BE49-F238E27FC236}">
-                <a16:creationId xmlns:a16="http://schemas.microsoft.com/office/drawing/2014/main" id="{5FFEE570-48D0-490F-BF0E-8D328D2FA7FA}"/>
-              </a:ext>
-            </a:extLst>
-          </p:cNvPr>
-          <p:cNvPicPr>
-            <a:picLocks noChangeAspect="1"/>
-          </p:cNvPicPr>
-          <p:nvPr/>
-        </p:nvPicPr>
-        <p:blipFill>
-          <a:blip r:embed="rId3"/>
-          <a:stretch>
-            <a:fillRect/>
-          </a:stretch>
-        </p:blipFill>
-        <p:spPr>
-          <a:xfrm>
-            <a:off x="329097" y="1602923"/>
-            <a:ext cx="8628090" cy="2670202"/>
-          </a:xfrm>
-          <a:prstGeom prst="rect">
-            <a:avLst/>
-          </a:prstGeom>
-        </p:spPr>
-      </p:pic>
       <p:sp>
         <p:nvSpPr>
           <p:cNvPr id="17" name="TextBox 16">
@@ -12344,25 +12350,25 @@
               <a:t>3</a:t>
             </a:r>
             <a:r>
-              <a:rPr kumimoji="1" lang="ko-KR" altLang="en-US" dirty="0">
-                <a:latin typeface="현대하모니 L" pitchFamily="18" charset="-127"/>
-                <a:ea typeface="현대하모니 L" pitchFamily="18" charset="-127"/>
-              </a:rPr>
-              <a:t>의배수의 덧셈을 구했다</a:t>
-            </a:r>
-            <a:r>
-              <a:rPr kumimoji="1" lang="en-US" altLang="ko-KR" dirty="0">
+              <a:rPr kumimoji="1" lang="ko-KR" altLang="en-US" dirty="0" smtClean="0">
+                <a:latin typeface="현대하모니 L" pitchFamily="18" charset="-127"/>
+                <a:ea typeface="현대하모니 L" pitchFamily="18" charset="-127"/>
+              </a:rPr>
+              <a:t>의배수</a:t>
+            </a:r>
+            <a:r>
+              <a:rPr kumimoji="1" lang="ko-KR" altLang="en-US" dirty="0" smtClean="0">
+                <a:latin typeface="현대하모니 L" pitchFamily="18" charset="-127"/>
+                <a:ea typeface="현대하모니 L" pitchFamily="18" charset="-127"/>
+              </a:rPr>
+              <a:t>의 합을 각각 구했다</a:t>
+            </a:r>
+            <a:r>
+              <a:rPr kumimoji="1" lang="en-US" altLang="ko-KR" dirty="0" smtClean="0">
                 <a:latin typeface="현대하모니 L" pitchFamily="18" charset="-127"/>
                 <a:ea typeface="현대하모니 L" pitchFamily="18" charset="-127"/>
               </a:rPr>
               <a:t>.</a:t>
-            </a:r>
-            <a:r>
-              <a:rPr kumimoji="1" lang="ko-KR" altLang="en-US" dirty="0">
-                <a:latin typeface="현대하모니 L" pitchFamily="18" charset="-127"/>
-                <a:ea typeface="현대하모니 L" pitchFamily="18" charset="-127"/>
-              </a:rPr>
-              <a:t> </a:t>
             </a:r>
             <a:endParaRPr kumimoji="1" lang="en-US" altLang="ko-KR" dirty="0">
               <a:latin typeface="현대하모니 L" pitchFamily="18" charset="-127"/>
@@ -12371,6 +12377,65 @@
           </a:p>
         </p:txBody>
       </p:sp>
+      <p:pic>
+        <p:nvPicPr>
+          <p:cNvPr id="9" name="Picture 8"/>
+          <p:cNvPicPr>
+            <a:picLocks noChangeAspect="1"/>
+          </p:cNvPicPr>
+          <p:nvPr/>
+        </p:nvPicPr>
+        <p:blipFill>
+          <a:blip r:embed="rId3">
+            <a:extLst>
+              <a:ext uri="{28A0092B-C50C-407E-A947-70E740481C1C}">
+                <a14:useLocalDpi xmlns:a14="http://schemas.microsoft.com/office/drawing/2010/main" val="0"/>
+              </a:ext>
+            </a:extLst>
+          </a:blip>
+          <a:stretch>
+            <a:fillRect/>
+          </a:stretch>
+        </p:blipFill>
+        <p:spPr>
+          <a:xfrm>
+            <a:off x="436340" y="1583576"/>
+            <a:ext cx="5552980" cy="2729783"/>
+          </a:xfrm>
+          <a:prstGeom prst="rect">
+            <a:avLst/>
+          </a:prstGeom>
+        </p:spPr>
+      </p:pic>
+      <p:pic>
+        <p:nvPicPr>
+          <p:cNvPr id="10" name="Picture 9"/>
+          <p:cNvPicPr>
+            <a:picLocks noChangeAspect="1"/>
+          </p:cNvPicPr>
+          <p:nvPr/>
+        </p:nvPicPr>
+        <p:blipFill rotWithShape="1">
+          <a:blip r:embed="rId4">
+            <a:extLst>
+              <a:ext uri="{28A0092B-C50C-407E-A947-70E740481C1C}">
+                <a14:useLocalDpi xmlns:a14="http://schemas.microsoft.com/office/drawing/2010/main" val="0"/>
+              </a:ext>
+            </a:extLst>
+          </a:blip>
+          <a:srcRect b="16752"/>
+          <a:stretch/>
+        </p:blipFill>
+        <p:spPr>
+          <a:xfrm>
+            <a:off x="6119924" y="1584134"/>
+            <a:ext cx="4358163" cy="447619"/>
+          </a:xfrm>
+          <a:prstGeom prst="rect">
+            <a:avLst/>
+          </a:prstGeom>
+        </p:spPr>
+      </p:pic>
     </p:spTree>
     <p:extLst>
       <p:ext uri="{BB962C8B-B14F-4D97-AF65-F5344CB8AC3E}">
@@ -12586,7 +12651,7 @@
         <p:spPr>
           <a:xfrm>
             <a:off x="3442225" y="1661966"/>
-            <a:ext cx="6927072" cy="2308324"/>
+            <a:ext cx="6927072" cy="3139321"/>
           </a:xfrm>
           <a:prstGeom prst="rect">
             <a:avLst/>
@@ -12729,12 +12794,44 @@
               <a:t>이때 결과는 앞의 두개의 숫자를 더한 값이 되고 앞의 두개의 숫자는 매번 반복문이 실행될때마다 업데이트를 해준다</a:t>
             </a:r>
             <a:r>
-              <a:rPr kumimoji="1" lang="en-US" altLang="ko-KR" dirty="0">
+              <a:rPr kumimoji="1" lang="en-US" altLang="ko-KR" dirty="0" smtClean="0">
                 <a:latin typeface="현대하모니 L" pitchFamily="18" charset="-127"/>
                 <a:ea typeface="현대하모니 L" pitchFamily="18" charset="-127"/>
               </a:rPr>
               <a:t>.</a:t>
             </a:r>
+          </a:p>
+          <a:p>
+            <a:endParaRPr kumimoji="1" lang="en-US" altLang="ko-KR" dirty="0">
+              <a:latin typeface="현대하모니 L" pitchFamily="18" charset="-127"/>
+              <a:ea typeface="현대하모니 L" pitchFamily="18" charset="-127"/>
+            </a:endParaRPr>
+          </a:p>
+          <a:p>
+            <a:endParaRPr kumimoji="1" lang="en-US" altLang="ko-KR" dirty="0" smtClean="0">
+              <a:latin typeface="현대하모니 L" pitchFamily="18" charset="-127"/>
+              <a:ea typeface="현대하모니 L" pitchFamily="18" charset="-127"/>
+            </a:endParaRPr>
+          </a:p>
+          <a:p>
+            <a:r>
+              <a:rPr kumimoji="1" lang="ko-KR" altLang="en-US" dirty="0" smtClean="0">
+                <a:latin typeface="현대하모니 L" pitchFamily="18" charset="-127"/>
+                <a:ea typeface="현대하모니 L" pitchFamily="18" charset="-127"/>
+              </a:rPr>
+              <a:t>답 </a:t>
+            </a:r>
+            <a:r>
+              <a:rPr kumimoji="1" lang="en-US" altLang="ko-KR" dirty="0" smtClean="0">
+                <a:latin typeface="현대하모니 L" pitchFamily="18" charset="-127"/>
+                <a:ea typeface="현대하모니 L" pitchFamily="18" charset="-127"/>
+              </a:rPr>
+              <a:t>: 1251</a:t>
+            </a:r>
+            <a:endParaRPr kumimoji="1" lang="en-US" altLang="ko-KR" dirty="0">
+              <a:latin typeface="현대하모니 L" pitchFamily="18" charset="-127"/>
+              <a:ea typeface="현대하모니 L" pitchFamily="18" charset="-127"/>
+            </a:endParaRPr>
           </a:p>
         </p:txBody>
       </p:sp>
@@ -12762,6 +12859,36 @@
           <a:xfrm>
             <a:off x="327549" y="1727046"/>
             <a:ext cx="3114675" cy="4400550"/>
+          </a:xfrm>
+          <a:prstGeom prst="rect">
+            <a:avLst/>
+          </a:prstGeom>
+        </p:spPr>
+      </p:pic>
+      <p:pic>
+        <p:nvPicPr>
+          <p:cNvPr id="10" name="Picture 9"/>
+          <p:cNvPicPr>
+            <a:picLocks noChangeAspect="1"/>
+          </p:cNvPicPr>
+          <p:nvPr/>
+        </p:nvPicPr>
+        <p:blipFill>
+          <a:blip r:embed="rId4">
+            <a:extLst>
+              <a:ext uri="{28A0092B-C50C-407E-A947-70E740481C1C}">
+                <a14:useLocalDpi xmlns:a14="http://schemas.microsoft.com/office/drawing/2010/main" val="0"/>
+              </a:ext>
+            </a:extLst>
+          </a:blip>
+          <a:stretch>
+            <a:fillRect/>
+          </a:stretch>
+        </p:blipFill>
+        <p:spPr>
+          <a:xfrm>
+            <a:off x="6601608" y="4073106"/>
+            <a:ext cx="3717648" cy="2054490"/>
           </a:xfrm>
           <a:prstGeom prst="rect">
             <a:avLst/>
@@ -13282,28 +13409,28 @@
       </p:sp>
       <p:pic>
         <p:nvPicPr>
-          <p:cNvPr id="4" name="Picture 3">
-            <a:extLst>
-              <a:ext uri="{FF2B5EF4-FFF2-40B4-BE49-F238E27FC236}">
-                <a16:creationId xmlns:a16="http://schemas.microsoft.com/office/drawing/2014/main" id="{1BA0E53B-52D5-4CA5-8C9C-32E9F70EE1D0}"/>
-              </a:ext>
-            </a:extLst>
-          </p:cNvPr>
+          <p:cNvPr id="7" name="Picture 6"/>
           <p:cNvPicPr>
             <a:picLocks noChangeAspect="1"/>
           </p:cNvPicPr>
           <p:nvPr/>
         </p:nvPicPr>
         <p:blipFill>
-          <a:blip r:embed="rId3"/>
+          <a:blip r:embed="rId3">
+            <a:extLst>
+              <a:ext uri="{28A0092B-C50C-407E-A947-70E740481C1C}">
+                <a14:useLocalDpi xmlns:a14="http://schemas.microsoft.com/office/drawing/2010/main" val="0"/>
+              </a:ext>
+            </a:extLst>
+          </a:blip>
           <a:stretch>
             <a:fillRect/>
           </a:stretch>
         </p:blipFill>
         <p:spPr>
           <a:xfrm>
-            <a:off x="377505" y="953981"/>
-            <a:ext cx="4290759" cy="4753966"/>
+            <a:off x="327548" y="848518"/>
+            <a:ext cx="4198731" cy="5285902"/>
           </a:xfrm>
           <a:prstGeom prst="rect">
             <a:avLst/>
